--- a/Slides/OmicsPLS course 2 PLS.pptx
+++ b/Slides/OmicsPLS course 2 PLS.pptx
@@ -264,7 +264,7 @@
           <a:p>
             <a:fld id="{1D0781E7-9B05-4E41-96B0-DE9F3ED87C2E}" type="datetimeFigureOut">
               <a:rPr lang="nl-NL" smtClean="0"/>
-              <a:t>17-06-2021</a:t>
+              <a:t>14-08-2022</a:t>
             </a:fld>
             <a:endParaRPr lang="nl-NL"/>
           </a:p>
@@ -11793,19 +11793,6 @@
                   </a:schemeClr>
                 </a:solidFill>
               </a:rPr>
-              <a:t>Group sparse O2PLS</a:t>
-            </a:r>
-          </a:p>
-          <a:p>
-            <a:r>
-              <a:rPr lang="en-US" dirty="0">
-                <a:solidFill>
-                  <a:schemeClr val="tx1">
-                    <a:lumMod val="50000"/>
-                    <a:lumOff val="50000"/>
-                  </a:schemeClr>
-                </a:solidFill>
-              </a:rPr>
               <a:t>Post-hoc analyses using external databases</a:t>
             </a:r>
           </a:p>
@@ -12219,8 +12206,8 @@
           </a:p>
         </p:txBody>
       </p:sp>
-      <mc:AlternateContent xmlns:mc="http://schemas.openxmlformats.org/markup-compatibility/2006">
-        <mc:Choice xmlns:a14="http://schemas.microsoft.com/office/drawing/2010/main" Requires="a14">
+      <mc:AlternateContent xmlns:mc="http://schemas.openxmlformats.org/markup-compatibility/2006" xmlns:a14="http://schemas.microsoft.com/office/drawing/2010/main">
+        <mc:Choice Requires="a14">
           <p:sp>
             <p:nvSpPr>
               <p:cNvPr id="3" name="Tijdelijke aanduiding voor tekst 2">
@@ -12351,7 +12338,7 @@
             </p:txBody>
           </p:sp>
         </mc:Choice>
-        <mc:Fallback>
+        <mc:Fallback xmlns="">
           <p:sp>
             <p:nvSpPr>
               <p:cNvPr id="3" name="Tijdelijke aanduiding voor tekst 2">
@@ -12516,10 +12503,8 @@
                   </a:schemeClr>
                 </a:solidFill>
               </a:rPr>
-              <a:t>Group sparse O2PLS</a:t>
-            </a:r>
-          </a:p>
-          <a:p>
+              <a:t>Post-hoc </a:t>
+            </a:r>
             <a:r>
               <a:rPr lang="en-US" dirty="0">
                 <a:solidFill>
@@ -12529,7 +12514,7 @@
                   </a:schemeClr>
                 </a:solidFill>
               </a:rPr>
-              <a:t>Post-hoc analyses using external databases</a:t>
+              <a:t>analyses using external databases</a:t>
             </a:r>
           </a:p>
           <a:p>
@@ -13963,8 +13948,8 @@
           </a:p>
         </p:txBody>
       </p:sp>
-      <mc:AlternateContent xmlns:mc="http://schemas.openxmlformats.org/markup-compatibility/2006">
-        <mc:Choice xmlns:a14="http://schemas.microsoft.com/office/drawing/2010/main" Requires="a14">
+      <mc:AlternateContent xmlns:mc="http://schemas.openxmlformats.org/markup-compatibility/2006" xmlns:a14="http://schemas.microsoft.com/office/drawing/2010/main">
+        <mc:Choice Requires="a14">
           <p:sp>
             <p:nvSpPr>
               <p:cNvPr id="3" name="Tijdelijke aanduiding voor tekst 2">
@@ -14150,7 +14135,7 @@
             </p:txBody>
           </p:sp>
         </mc:Choice>
-        <mc:Fallback>
+        <mc:Fallback xmlns="">
           <p:sp>
             <p:nvSpPr>
               <p:cNvPr id="3" name="Tijdelijke aanduiding voor tekst 2">
